--- a/Project of sprint 1.pptx
+++ b/Project of sprint 1.pptx
@@ -6,10 +6,15 @@
   </p:sldMasterIdLst>
   <p:sldIdLst>
     <p:sldId id="260" r:id="rId2"/>
-    <p:sldId id="256" r:id="rId3"/>
-    <p:sldId id="257" r:id="rId4"/>
-    <p:sldId id="258" r:id="rId5"/>
-    <p:sldId id="259" r:id="rId6"/>
+    <p:sldId id="269" r:id="rId3"/>
+    <p:sldId id="262" r:id="rId4"/>
+    <p:sldId id="263" r:id="rId5"/>
+    <p:sldId id="270" r:id="rId6"/>
+    <p:sldId id="265" r:id="rId7"/>
+    <p:sldId id="257" r:id="rId8"/>
+    <p:sldId id="268" r:id="rId9"/>
+    <p:sldId id="259" r:id="rId10"/>
+    <p:sldId id="261" r:id="rId11"/>
   </p:sldIdLst>
   <p:sldSz cx="12192000" cy="6858000"/>
   <p:notesSz cx="6858000" cy="9144000"/>
@@ -108,6 +113,33 @@
       </a:defRPr>
     </a:lvl9pPr>
   </p:defaultTextStyle>
+  <p:extLst>
+    <p:ext uri="{521415D9-36F7-43E2-AB2F-B90AF26B5E84}">
+      <p14:sectionLst xmlns:p14="http://schemas.microsoft.com/office/powerpoint/2010/main">
+        <p14:section name="Default Section" id="{B60F1E24-FE95-45A5-A83B-65DB0EACEDDA}">
+          <p14:sldIdLst>
+            <p14:sldId id="260"/>
+            <p14:sldId id="269"/>
+            <p14:sldId id="262"/>
+            <p14:sldId id="263"/>
+            <p14:sldId id="270"/>
+            <p14:sldId id="265"/>
+            <p14:sldId id="257"/>
+          </p14:sldIdLst>
+        </p14:section>
+        <p14:section name="Untitled Section" id="{D8B305E0-A108-4260-A491-0C5FA5B95CAD}">
+          <p14:sldIdLst>
+            <p14:sldId id="268"/>
+            <p14:sldId id="259"/>
+            <p14:sldId id="261"/>
+          </p14:sldIdLst>
+        </p14:section>
+      </p14:sectionLst>
+    </p:ext>
+    <p:ext uri="{EFAFB233-063F-42B5-8137-9DF3F51BA10A}">
+      <p15:sldGuideLst xmlns:p15="http://schemas.microsoft.com/office/powerpoint/2012/main"/>
+    </p:ext>
+  </p:extLst>
 </p:presentation>
 </file>
 
@@ -242,7 +274,7 @@
           <a:p>
             <a:fld id="{43712C86-C22F-4679-A514-8B2DFE54712A}" type="datetimeFigureOut">
               <a:rPr lang="en-US" smtClean="0"/>
-              <a:t>6/23/2022</a:t>
+              <a:t>6/27/2022</a:t>
             </a:fld>
             <a:endParaRPr lang="en-US"/>
           </a:p>
@@ -412,7 +444,7 @@
           <a:p>
             <a:fld id="{43712C86-C22F-4679-A514-8B2DFE54712A}" type="datetimeFigureOut">
               <a:rPr lang="en-US" smtClean="0"/>
-              <a:t>6/23/2022</a:t>
+              <a:t>6/27/2022</a:t>
             </a:fld>
             <a:endParaRPr lang="en-US"/>
           </a:p>
@@ -592,7 +624,7 @@
           <a:p>
             <a:fld id="{43712C86-C22F-4679-A514-8B2DFE54712A}" type="datetimeFigureOut">
               <a:rPr lang="en-US" smtClean="0"/>
-              <a:t>6/23/2022</a:t>
+              <a:t>6/27/2022</a:t>
             </a:fld>
             <a:endParaRPr lang="en-US"/>
           </a:p>
@@ -762,7 +794,7 @@
           <a:p>
             <a:fld id="{43712C86-C22F-4679-A514-8B2DFE54712A}" type="datetimeFigureOut">
               <a:rPr lang="en-US" smtClean="0"/>
-              <a:t>6/23/2022</a:t>
+              <a:t>6/27/2022</a:t>
             </a:fld>
             <a:endParaRPr lang="en-US"/>
           </a:p>
@@ -1008,7 +1040,7 @@
           <a:p>
             <a:fld id="{43712C86-C22F-4679-A514-8B2DFE54712A}" type="datetimeFigureOut">
               <a:rPr lang="en-US" smtClean="0"/>
-              <a:t>6/23/2022</a:t>
+              <a:t>6/27/2022</a:t>
             </a:fld>
             <a:endParaRPr lang="en-US"/>
           </a:p>
@@ -1240,7 +1272,7 @@
           <a:p>
             <a:fld id="{43712C86-C22F-4679-A514-8B2DFE54712A}" type="datetimeFigureOut">
               <a:rPr lang="en-US" smtClean="0"/>
-              <a:t>6/23/2022</a:t>
+              <a:t>6/27/2022</a:t>
             </a:fld>
             <a:endParaRPr lang="en-US"/>
           </a:p>
@@ -1607,7 +1639,7 @@
           <a:p>
             <a:fld id="{43712C86-C22F-4679-A514-8B2DFE54712A}" type="datetimeFigureOut">
               <a:rPr lang="en-US" smtClean="0"/>
-              <a:t>6/23/2022</a:t>
+              <a:t>6/27/2022</a:t>
             </a:fld>
             <a:endParaRPr lang="en-US"/>
           </a:p>
@@ -1725,7 +1757,7 @@
           <a:p>
             <a:fld id="{43712C86-C22F-4679-A514-8B2DFE54712A}" type="datetimeFigureOut">
               <a:rPr lang="en-US" smtClean="0"/>
-              <a:t>6/23/2022</a:t>
+              <a:t>6/27/2022</a:t>
             </a:fld>
             <a:endParaRPr lang="en-US"/>
           </a:p>
@@ -1820,7 +1852,7 @@
           <a:p>
             <a:fld id="{43712C86-C22F-4679-A514-8B2DFE54712A}" type="datetimeFigureOut">
               <a:rPr lang="en-US" smtClean="0"/>
-              <a:t>6/23/2022</a:t>
+              <a:t>6/27/2022</a:t>
             </a:fld>
             <a:endParaRPr lang="en-US"/>
           </a:p>
@@ -2097,7 +2129,7 @@
           <a:p>
             <a:fld id="{43712C86-C22F-4679-A514-8B2DFE54712A}" type="datetimeFigureOut">
               <a:rPr lang="en-US" smtClean="0"/>
-              <a:t>6/23/2022</a:t>
+              <a:t>6/27/2022</a:t>
             </a:fld>
             <a:endParaRPr lang="en-US"/>
           </a:p>
@@ -2350,7 +2382,7 @@
           <a:p>
             <a:fld id="{43712C86-C22F-4679-A514-8B2DFE54712A}" type="datetimeFigureOut">
               <a:rPr lang="en-US" smtClean="0"/>
-              <a:t>6/23/2022</a:t>
+              <a:t>6/27/2022</a:t>
             </a:fld>
             <a:endParaRPr lang="en-US"/>
           </a:p>
@@ -2563,7 +2595,7 @@
           <a:p>
             <a:fld id="{43712C86-C22F-4679-A514-8B2DFE54712A}" type="datetimeFigureOut">
               <a:rPr lang="en-US" smtClean="0"/>
-              <a:t>6/23/2022</a:t>
+              <a:t>6/27/2022</a:t>
             </a:fld>
             <a:endParaRPr lang="en-US"/>
           </a:p>
@@ -2978,19 +3010,26 @@
             <p:ph type="title"/>
           </p:nvPr>
         </p:nvSpPr>
-        <p:spPr/>
+        <p:spPr>
+          <a:xfrm>
+            <a:off x="812442" y="365125"/>
+            <a:ext cx="10515600" cy="1325563"/>
+          </a:xfrm>
+        </p:spPr>
         <p:style>
-          <a:lnRef idx="1">
-            <a:schemeClr val="dk1"/>
+          <a:lnRef idx="2">
+            <a:schemeClr val="accent4">
+              <a:shade val="50000"/>
+            </a:schemeClr>
           </a:lnRef>
-          <a:fillRef idx="2">
-            <a:schemeClr val="dk1"/>
+          <a:fillRef idx="1">
+            <a:schemeClr val="accent4"/>
           </a:fillRef>
-          <a:effectRef idx="1">
-            <a:schemeClr val="dk1"/>
+          <a:effectRef idx="0">
+            <a:schemeClr val="accent4"/>
           </a:effectRef>
           <a:fontRef idx="minor">
-            <a:schemeClr val="dk1"/>
+            <a:schemeClr val="lt1"/>
           </a:fontRef>
         </p:style>
         <p:txBody>
@@ -2998,10 +3037,34 @@
           <a:lstStyle/>
           <a:p>
             <a:r>
-              <a:rPr lang="en-US" dirty="0" smtClean="0"/>
-              <a:t>Project of sprint 1</a:t>
-            </a:r>
-            <a:endParaRPr lang="en-US" dirty="0"/>
+              <a:rPr lang="en-US" dirty="0" smtClean="0">
+                <a:solidFill>
+                  <a:schemeClr val="tx1"/>
+                </a:solidFill>
+              </a:rPr>
+              <a:t>Project of sprint </a:t>
+            </a:r>
+            <a:r>
+              <a:rPr lang="en-US" dirty="0" smtClean="0">
+                <a:solidFill>
+                  <a:schemeClr val="tx1"/>
+                </a:solidFill>
+              </a:rPr>
+              <a:t>1 </a:t>
+            </a:r>
+            <a:r>
+              <a:rPr lang="en-US" dirty="0" smtClean="0">
+                <a:solidFill>
+                  <a:schemeClr val="tx1"/>
+                </a:solidFill>
+              </a:rPr>
+              <a:t>Presentation</a:t>
+            </a:r>
+            <a:endParaRPr lang="en-US" dirty="0">
+              <a:solidFill>
+                <a:schemeClr val="tx1"/>
+              </a:solidFill>
+            </a:endParaRPr>
           </a:p>
         </p:txBody>
       </p:sp>
@@ -3037,12 +3100,12 @@
             <a:endParaRPr lang="en-US" dirty="0" smtClean="0"/>
           </a:p>
           <a:p>
-            <a:endParaRPr lang="en-US" dirty="0"/>
+            <a:endParaRPr lang="en-US" dirty="0" smtClean="0"/>
           </a:p>
           <a:p>
             <a:r>
               <a:rPr lang="en-US" dirty="0" smtClean="0"/>
-              <a:t>Name     :     </a:t>
+              <a:t>Name         :     </a:t>
             </a:r>
             <a:r>
               <a:rPr lang="en-US" dirty="0" err="1" smtClean="0"/>
@@ -3073,13 +3136,35 @@
             </a:r>
             <a:r>
               <a:rPr lang="en-US" dirty="0" smtClean="0"/>
-              <a:t> id   :     46234770</a:t>
+              <a:t> id       :     46234770</a:t>
             </a:r>
           </a:p>
           <a:p>
             <a:r>
               <a:rPr lang="en-US" dirty="0" smtClean="0"/>
-              <a:t>Bach       : . Net core azure batch 3 </a:t>
+              <a:t>Bach           : . Net core azure batch 3 </a:t>
+            </a:r>
+          </a:p>
+          <a:p>
+            <a:r>
+              <a:rPr lang="en-US" dirty="0" smtClean="0"/>
+              <a:t>Gu</a:t>
+            </a:r>
+            <a:r>
+              <a:rPr lang="en-US" dirty="0" smtClean="0"/>
+              <a:t>ided by :   </a:t>
+            </a:r>
+            <a:r>
+              <a:rPr lang="en-US" dirty="0" err="1" smtClean="0"/>
+              <a:t>Vikas</a:t>
+            </a:r>
+            <a:r>
+              <a:rPr lang="en-US" dirty="0" smtClean="0"/>
+              <a:t> </a:t>
+            </a:r>
+            <a:r>
+              <a:rPr lang="en-US" dirty="0" err="1" smtClean="0"/>
+              <a:t>Verma</a:t>
             </a:r>
             <a:endParaRPr lang="en-US" dirty="0"/>
           </a:p>
@@ -3089,6 +3174,80 @@
     <p:extLst>
       <p:ext uri="{BB962C8B-B14F-4D97-AF65-F5344CB8AC3E}">
         <p14:creationId xmlns:p14="http://schemas.microsoft.com/office/powerpoint/2010/main" val="4258743453"/>
+      </p:ext>
+    </p:extLst>
+  </p:cSld>
+  <p:clrMapOvr>
+    <a:masterClrMapping/>
+  </p:clrMapOvr>
+</p:sld>
+</file>
+
+<file path=ppt/slides/slide10.xml><?xml version="1.0" encoding="utf-8"?>
+<p:sld xmlns:a="http://schemas.openxmlformats.org/drawingml/2006/main" xmlns:r="http://schemas.openxmlformats.org/officeDocument/2006/relationships" xmlns:p="http://schemas.openxmlformats.org/presentationml/2006/main">
+  <p:cSld>
+    <p:spTree>
+      <p:nvGrpSpPr>
+        <p:cNvPr id="1" name=""/>
+        <p:cNvGrpSpPr/>
+        <p:nvPr/>
+      </p:nvGrpSpPr>
+      <p:grpSpPr>
+        <a:xfrm>
+          <a:off x="0" y="0"/>
+          <a:ext cx="0" cy="0"/>
+          <a:chOff x="0" y="0"/>
+          <a:chExt cx="0" cy="0"/>
+        </a:xfrm>
+      </p:grpSpPr>
+      <p:sp>
+        <p:nvSpPr>
+          <p:cNvPr id="2" name="Rectangle 1"/>
+          <p:cNvSpPr/>
+          <p:nvPr/>
+        </p:nvSpPr>
+        <p:spPr>
+          <a:xfrm>
+            <a:off x="1828800" y="1081825"/>
+            <a:ext cx="9144000" cy="3206840"/>
+          </a:xfrm>
+          <a:prstGeom prst="rect">
+            <a:avLst/>
+          </a:prstGeom>
+        </p:spPr>
+        <p:style>
+          <a:lnRef idx="2">
+            <a:schemeClr val="accent1">
+              <a:shade val="50000"/>
+            </a:schemeClr>
+          </a:lnRef>
+          <a:fillRef idx="1">
+            <a:schemeClr val="accent1"/>
+          </a:fillRef>
+          <a:effectRef idx="0">
+            <a:schemeClr val="accent1"/>
+          </a:effectRef>
+          <a:fontRef idx="minor">
+            <a:schemeClr val="lt1"/>
+          </a:fontRef>
+        </p:style>
+        <p:txBody>
+          <a:bodyPr rtlCol="0" anchor="ctr"/>
+          <a:lstStyle/>
+          <a:p>
+            <a:pPr algn="ctr"/>
+            <a:r>
+              <a:rPr lang="en-US" sz="7200" b="1" dirty="0" smtClean="0"/>
+              <a:t>THANK YOU !</a:t>
+            </a:r>
+            <a:endParaRPr lang="en-US" sz="7200" b="1" dirty="0"/>
+          </a:p>
+        </p:txBody>
+      </p:sp>
+    </p:spTree>
+    <p:extLst>
+      <p:ext uri="{BB962C8B-B14F-4D97-AF65-F5344CB8AC3E}">
+        <p14:creationId xmlns:p14="http://schemas.microsoft.com/office/powerpoint/2010/main" val="295659098"/>
       </p:ext>
     </p:extLst>
   </p:cSld>
@@ -3115,188 +3274,34 @@
           <a:chExt cx="0" cy="0"/>
         </a:xfrm>
       </p:grpSpPr>
-      <p:sp>
-        <p:nvSpPr>
-          <p:cNvPr id="4" name="Title 3"/>
-          <p:cNvSpPr>
-            <a:spLocks noGrp="1"/>
-          </p:cNvSpPr>
-          <p:nvPr>
-            <p:ph type="title"/>
-          </p:nvPr>
-        </p:nvSpPr>
+      <p:pic>
+        <p:nvPicPr>
+          <p:cNvPr id="2" name="Picture 1"/>
+          <p:cNvPicPr>
+            <a:picLocks noChangeAspect="1"/>
+          </p:cNvPicPr>
+          <p:nvPr/>
+        </p:nvPicPr>
+        <p:blipFill>
+          <a:blip r:embed="rId2"/>
+          <a:stretch>
+            <a:fillRect/>
+          </a:stretch>
+        </p:blipFill>
         <p:spPr>
           <a:xfrm>
-            <a:off x="838200" y="352246"/>
-            <a:ext cx="10593946" cy="1325563"/>
+            <a:off x="1167259" y="1134709"/>
+            <a:ext cx="8633563" cy="4995635"/>
           </a:xfrm>
+          <a:prstGeom prst="rect">
+            <a:avLst/>
+          </a:prstGeom>
         </p:spPr>
-        <p:style>
-          <a:lnRef idx="2">
-            <a:schemeClr val="accent1">
-              <a:shade val="50000"/>
-            </a:schemeClr>
-          </a:lnRef>
-          <a:fillRef idx="1">
-            <a:schemeClr val="accent1"/>
-          </a:fillRef>
-          <a:effectRef idx="0">
-            <a:schemeClr val="accent1"/>
-          </a:effectRef>
-          <a:fontRef idx="minor">
-            <a:schemeClr val="lt1"/>
-          </a:fontRef>
-        </p:style>
-        <p:txBody>
-          <a:bodyPr/>
-          <a:lstStyle/>
-          <a:p>
-            <a:r>
-              <a:rPr lang="en-US" dirty="0" smtClean="0"/>
-              <a:t>Case study</a:t>
-            </a:r>
-            <a:endParaRPr lang="en-US" dirty="0"/>
-          </a:p>
-        </p:txBody>
-      </p:sp>
-      <p:sp>
-        <p:nvSpPr>
-          <p:cNvPr id="5" name="Content Placeholder 4"/>
-          <p:cNvSpPr>
-            <a:spLocks noGrp="1"/>
-          </p:cNvSpPr>
-          <p:nvPr>
-            <p:ph idx="1"/>
-          </p:nvPr>
-        </p:nvSpPr>
-        <p:spPr>
-          <a:xfrm>
-            <a:off x="838200" y="1825625"/>
-            <a:ext cx="10515600" cy="4214567"/>
-          </a:xfrm>
-        </p:spPr>
-        <p:style>
-          <a:lnRef idx="2">
-            <a:schemeClr val="accent1">
-              <a:shade val="50000"/>
-            </a:schemeClr>
-          </a:lnRef>
-          <a:fillRef idx="1">
-            <a:schemeClr val="accent1"/>
-          </a:fillRef>
-          <a:effectRef idx="0">
-            <a:schemeClr val="accent1"/>
-          </a:effectRef>
-          <a:fontRef idx="minor">
-            <a:schemeClr val="lt1"/>
-          </a:fontRef>
-        </p:style>
-        <p:txBody>
-          <a:bodyPr>
-            <a:normAutofit fontScale="62500" lnSpcReduction="20000"/>
-          </a:bodyPr>
-          <a:lstStyle/>
-          <a:p>
-            <a:r>
-              <a:rPr lang="en-US" dirty="0" smtClean="0"/>
-              <a:t>1.Create a web </a:t>
-            </a:r>
-            <a:r>
-              <a:rPr lang="en-US" dirty="0" err="1" smtClean="0"/>
-              <a:t>api</a:t>
-            </a:r>
-            <a:r>
-              <a:rPr lang="en-US" dirty="0" smtClean="0"/>
-              <a:t> in DOT NET</a:t>
-            </a:r>
-          </a:p>
-          <a:p>
-            <a:r>
-              <a:rPr lang="en-US" dirty="0" smtClean="0"/>
-              <a:t>2.Create database in </a:t>
-            </a:r>
-            <a:r>
-              <a:rPr lang="en-US" dirty="0" err="1" smtClean="0"/>
-              <a:t>Sql</a:t>
-            </a:r>
-            <a:r>
-              <a:rPr lang="en-US" dirty="0" smtClean="0"/>
-              <a:t> server</a:t>
-            </a:r>
-          </a:p>
-          <a:p>
-            <a:r>
-              <a:rPr lang="en-US" dirty="0" smtClean="0"/>
-              <a:t>3.Create web app in angular</a:t>
-            </a:r>
-          </a:p>
-          <a:p>
-            <a:r>
-              <a:rPr lang="en-US" dirty="0" smtClean="0"/>
-              <a:t>features:-</a:t>
-            </a:r>
-          </a:p>
-          <a:p>
-            <a:r>
-              <a:rPr lang="en-US" dirty="0" smtClean="0"/>
-              <a:t>User Section</a:t>
-            </a:r>
-          </a:p>
-          <a:p>
-            <a:r>
-              <a:rPr lang="en-US" dirty="0" smtClean="0"/>
-              <a:t>1.User can register and login</a:t>
-            </a:r>
-          </a:p>
-          <a:p>
-            <a:r>
-              <a:rPr lang="en-US" dirty="0" smtClean="0"/>
-              <a:t>2.He can purchase product through COD</a:t>
-            </a:r>
-          </a:p>
-          <a:p>
-            <a:r>
-              <a:rPr lang="en-US" dirty="0" smtClean="0"/>
-              <a:t>3.User can see the product</a:t>
-            </a:r>
-          </a:p>
-          <a:p>
-            <a:r>
-              <a:rPr lang="en-US" dirty="0" smtClean="0"/>
-              <a:t>Admin </a:t>
-            </a:r>
-          </a:p>
-          <a:p>
-            <a:r>
-              <a:rPr lang="en-US" dirty="0" smtClean="0"/>
-              <a:t>Section</a:t>
-            </a:r>
-          </a:p>
-          <a:p>
-            <a:r>
-              <a:rPr lang="en-US" dirty="0" smtClean="0"/>
-              <a:t>1.Admin can login and add categories</a:t>
-            </a:r>
-          </a:p>
-          <a:p>
-            <a:r>
-              <a:rPr lang="en-US" dirty="0" smtClean="0"/>
-              <a:t>2.can see all orders placed by the customer and customer details</a:t>
-            </a:r>
-          </a:p>
-          <a:p>
-            <a:r>
-              <a:rPr lang="en-US" dirty="0" smtClean="0"/>
-              <a:t>3.admin can add products</a:t>
-            </a:r>
-            <a:endParaRPr lang="en-US" dirty="0"/>
-          </a:p>
-        </p:txBody>
-      </p:sp>
+      </p:pic>
     </p:spTree>
     <p:extLst>
       <p:ext uri="{BB962C8B-B14F-4D97-AF65-F5344CB8AC3E}">
-        <p14:creationId xmlns:p14="http://schemas.microsoft.com/office/powerpoint/2010/main" val="869158982"/>
+        <p14:creationId xmlns:p14="http://schemas.microsoft.com/office/powerpoint/2010/main" val="290459492"/>
       </p:ext>
     </p:extLst>
   </p:cSld>
@@ -3323,341 +3328,48 @@
           <a:chExt cx="0" cy="0"/>
         </a:xfrm>
       </p:grpSpPr>
-      <p:sp>
-        <p:nvSpPr>
-          <p:cNvPr id="2" name="Rectangle 1"/>
-          <p:cNvSpPr/>
+      <p:pic>
+        <p:nvPicPr>
+          <p:cNvPr id="2" name="Picture 1"/>
+          <p:cNvPicPr>
+            <a:picLocks noChangeAspect="1"/>
+          </p:cNvPicPr>
           <p:nvPr/>
-        </p:nvSpPr>
+        </p:nvPicPr>
+        <p:blipFill>
+          <a:blip r:embed="rId2"/>
+          <a:stretch>
+            <a:fillRect/>
+          </a:stretch>
+        </p:blipFill>
         <p:spPr>
           <a:xfrm>
-            <a:off x="1371599" y="978794"/>
-            <a:ext cx="2099257" cy="2292439"/>
+            <a:off x="2215167" y="813711"/>
+            <a:ext cx="7147774" cy="3951472"/>
           </a:xfrm>
           <a:prstGeom prst="rect">
             <a:avLst/>
           </a:prstGeom>
         </p:spPr>
         <p:style>
-          <a:lnRef idx="2">
-            <a:schemeClr val="dk1"/>
+          <a:lnRef idx="1">
+            <a:schemeClr val="accent4"/>
           </a:lnRef>
-          <a:fillRef idx="1">
-            <a:schemeClr val="lt1"/>
+          <a:fillRef idx="2">
+            <a:schemeClr val="accent4"/>
           </a:fillRef>
-          <a:effectRef idx="0">
-            <a:schemeClr val="dk1"/>
+          <a:effectRef idx="1">
+            <a:schemeClr val="accent4"/>
           </a:effectRef>
           <a:fontRef idx="minor">
             <a:schemeClr val="dk1"/>
           </a:fontRef>
         </p:style>
-        <p:txBody>
-          <a:bodyPr rtlCol="0" anchor="ctr"/>
-          <a:lstStyle/>
-          <a:p>
-            <a:pPr algn="ctr"/>
-            <a:r>
-              <a:rPr lang="en-US" sz="3200" b="1" dirty="0" smtClean="0"/>
-              <a:t>Database</a:t>
-            </a:r>
-          </a:p>
-          <a:p>
-            <a:pPr algn="ctr"/>
-            <a:r>
-              <a:rPr lang="en-US" sz="3200" b="1" dirty="0" err="1" smtClean="0"/>
-              <a:t>sql</a:t>
-            </a:r>
-            <a:endParaRPr lang="en-US" sz="3200" b="1" dirty="0"/>
-          </a:p>
-        </p:txBody>
-      </p:sp>
-      <p:sp>
-        <p:nvSpPr>
-          <p:cNvPr id="3" name="Rectangle 2"/>
-          <p:cNvSpPr/>
-          <p:nvPr/>
-        </p:nvSpPr>
-        <p:spPr>
-          <a:xfrm>
-            <a:off x="5035639" y="933718"/>
-            <a:ext cx="2395471" cy="2202287"/>
-          </a:xfrm>
-          <a:prstGeom prst="rect">
-            <a:avLst/>
-          </a:prstGeom>
-        </p:spPr>
-        <p:style>
-          <a:lnRef idx="2">
-            <a:schemeClr val="dk1"/>
-          </a:lnRef>
-          <a:fillRef idx="1">
-            <a:schemeClr val="lt1"/>
-          </a:fillRef>
-          <a:effectRef idx="0">
-            <a:schemeClr val="dk1"/>
-          </a:effectRef>
-          <a:fontRef idx="minor">
-            <a:schemeClr val="dk1"/>
-          </a:fontRef>
-        </p:style>
-        <p:txBody>
-          <a:bodyPr rtlCol="0" anchor="ctr"/>
-          <a:lstStyle/>
-          <a:p>
-            <a:pPr algn="ctr"/>
-            <a:r>
-              <a:rPr lang="en-US" sz="3200" b="1" dirty="0" smtClean="0"/>
-              <a:t>Web </a:t>
-            </a:r>
-            <a:r>
-              <a:rPr lang="en-US" sz="3200" b="1" dirty="0" err="1" smtClean="0"/>
-              <a:t>Api</a:t>
-            </a:r>
-            <a:endParaRPr lang="en-US" sz="3200" b="1" dirty="0"/>
-          </a:p>
-        </p:txBody>
-      </p:sp>
-      <p:sp>
-        <p:nvSpPr>
-          <p:cNvPr id="4" name="Rectangle 3"/>
-          <p:cNvSpPr/>
-          <p:nvPr/>
-        </p:nvSpPr>
-        <p:spPr>
-          <a:xfrm>
-            <a:off x="8538693" y="933718"/>
-            <a:ext cx="2678806" cy="2021983"/>
-          </a:xfrm>
-          <a:prstGeom prst="rect">
-            <a:avLst/>
-          </a:prstGeom>
-        </p:spPr>
-        <p:style>
-          <a:lnRef idx="2">
-            <a:schemeClr val="dk1"/>
-          </a:lnRef>
-          <a:fillRef idx="1">
-            <a:schemeClr val="lt1"/>
-          </a:fillRef>
-          <a:effectRef idx="0">
-            <a:schemeClr val="dk1"/>
-          </a:effectRef>
-          <a:fontRef idx="minor">
-            <a:schemeClr val="dk1"/>
-          </a:fontRef>
-        </p:style>
-        <p:txBody>
-          <a:bodyPr rtlCol="0" anchor="ctr"/>
-          <a:lstStyle/>
-          <a:p>
-            <a:pPr algn="ctr"/>
-            <a:r>
-              <a:rPr lang="en-US" sz="2400" b="1" dirty="0" smtClean="0"/>
-              <a:t>Ecommerce</a:t>
-            </a:r>
-          </a:p>
-          <a:p>
-            <a:pPr algn="ctr"/>
-            <a:r>
-              <a:rPr lang="en-US" sz="2400" b="1" dirty="0" smtClean="0"/>
-              <a:t>Web </a:t>
-            </a:r>
-          </a:p>
-          <a:p>
-            <a:pPr algn="ctr"/>
-            <a:r>
-              <a:rPr lang="en-US" sz="2400" b="1" dirty="0" err="1" smtClean="0"/>
-              <a:t>api</a:t>
-            </a:r>
-            <a:endParaRPr lang="en-US" sz="2400" b="1" dirty="0"/>
-          </a:p>
-        </p:txBody>
-      </p:sp>
-      <p:sp>
-        <p:nvSpPr>
-          <p:cNvPr id="5" name="Right Arrow 4"/>
-          <p:cNvSpPr/>
-          <p:nvPr/>
-        </p:nvSpPr>
-        <p:spPr>
-          <a:xfrm>
-            <a:off x="3593206" y="1790162"/>
-            <a:ext cx="1442433" cy="669701"/>
-          </a:xfrm>
-          <a:prstGeom prst="rightArrow">
-            <a:avLst/>
-          </a:prstGeom>
-        </p:spPr>
-        <p:style>
-          <a:lnRef idx="2">
-            <a:schemeClr val="dk1">
-              <a:shade val="50000"/>
-            </a:schemeClr>
-          </a:lnRef>
-          <a:fillRef idx="1">
-            <a:schemeClr val="dk1"/>
-          </a:fillRef>
-          <a:effectRef idx="0">
-            <a:schemeClr val="dk1"/>
-          </a:effectRef>
-          <a:fontRef idx="minor">
-            <a:schemeClr val="lt1"/>
-          </a:fontRef>
-        </p:style>
-        <p:txBody>
-          <a:bodyPr rtlCol="0" anchor="ctr"/>
-          <a:lstStyle/>
-          <a:p>
-            <a:pPr algn="ctr"/>
-            <a:endParaRPr lang="en-US"/>
-          </a:p>
-        </p:txBody>
-      </p:sp>
-      <p:sp>
-        <p:nvSpPr>
-          <p:cNvPr id="6" name="Right Arrow 5"/>
-          <p:cNvSpPr/>
-          <p:nvPr/>
-        </p:nvSpPr>
-        <p:spPr>
-          <a:xfrm>
-            <a:off x="7508383" y="1700009"/>
-            <a:ext cx="1030310" cy="850005"/>
-          </a:xfrm>
-          <a:prstGeom prst="rightArrow">
-            <a:avLst/>
-          </a:prstGeom>
-        </p:spPr>
-        <p:style>
-          <a:lnRef idx="2">
-            <a:schemeClr val="dk1">
-              <a:shade val="50000"/>
-            </a:schemeClr>
-          </a:lnRef>
-          <a:fillRef idx="1">
-            <a:schemeClr val="dk1"/>
-          </a:fillRef>
-          <a:effectRef idx="0">
-            <a:schemeClr val="dk1"/>
-          </a:effectRef>
-          <a:fontRef idx="minor">
-            <a:schemeClr val="lt1"/>
-          </a:fontRef>
-        </p:style>
-        <p:txBody>
-          <a:bodyPr rtlCol="0" anchor="ctr"/>
-          <a:lstStyle/>
-          <a:p>
-            <a:pPr algn="ctr"/>
-            <a:endParaRPr lang="en-US"/>
-          </a:p>
-        </p:txBody>
-      </p:sp>
-      <p:sp>
-        <p:nvSpPr>
-          <p:cNvPr id="8" name="Rectangle 7"/>
-          <p:cNvSpPr/>
-          <p:nvPr/>
-        </p:nvSpPr>
-        <p:spPr>
-          <a:xfrm>
-            <a:off x="7431110" y="4468969"/>
-            <a:ext cx="4301544" cy="2047741"/>
-          </a:xfrm>
-          <a:prstGeom prst="rect">
-            <a:avLst/>
-          </a:prstGeom>
-        </p:spPr>
-        <p:style>
-          <a:lnRef idx="2">
-            <a:schemeClr val="dk1"/>
-          </a:lnRef>
-          <a:fillRef idx="1">
-            <a:schemeClr val="lt1"/>
-          </a:fillRef>
-          <a:effectRef idx="0">
-            <a:schemeClr val="dk1"/>
-          </a:effectRef>
-          <a:fontRef idx="minor">
-            <a:schemeClr val="dk1"/>
-          </a:fontRef>
-        </p:style>
-        <p:txBody>
-          <a:bodyPr rtlCol="0" anchor="ctr"/>
-          <a:lstStyle/>
-          <a:p>
-            <a:pPr algn="ctr"/>
-            <a:r>
-              <a:rPr lang="en-US" sz="2400" b="1" dirty="0" smtClean="0"/>
-              <a:t>Angular part of </a:t>
-            </a:r>
-          </a:p>
-          <a:p>
-            <a:pPr algn="ctr"/>
-            <a:r>
-              <a:rPr lang="en-US" sz="2400" b="1" dirty="0" smtClean="0"/>
-              <a:t>Frist –sample –project </a:t>
-            </a:r>
-          </a:p>
-          <a:p>
-            <a:pPr algn="ctr"/>
-            <a:r>
-              <a:rPr lang="en-US" sz="2400" b="1" dirty="0" smtClean="0"/>
-              <a:t>In </a:t>
-            </a:r>
-            <a:r>
-              <a:rPr lang="en-US" sz="2400" b="1" dirty="0" err="1" smtClean="0"/>
-              <a:t>EcommercewebApi</a:t>
-            </a:r>
-            <a:endParaRPr lang="en-US" sz="2400" b="1" dirty="0"/>
-          </a:p>
-        </p:txBody>
-      </p:sp>
-      <p:sp>
-        <p:nvSpPr>
-          <p:cNvPr id="9" name="Down Arrow 8"/>
-          <p:cNvSpPr/>
-          <p:nvPr/>
-        </p:nvSpPr>
-        <p:spPr>
-          <a:xfrm>
-            <a:off x="9581882" y="2955701"/>
-            <a:ext cx="914400" cy="1513268"/>
-          </a:xfrm>
-          <a:prstGeom prst="downArrow">
-            <a:avLst/>
-          </a:prstGeom>
-        </p:spPr>
-        <p:style>
-          <a:lnRef idx="2">
-            <a:schemeClr val="dk1">
-              <a:shade val="50000"/>
-            </a:schemeClr>
-          </a:lnRef>
-          <a:fillRef idx="1">
-            <a:schemeClr val="dk1"/>
-          </a:fillRef>
-          <a:effectRef idx="0">
-            <a:schemeClr val="dk1"/>
-          </a:effectRef>
-          <a:fontRef idx="minor">
-            <a:schemeClr val="lt1"/>
-          </a:fontRef>
-        </p:style>
-        <p:txBody>
-          <a:bodyPr rtlCol="0" anchor="ctr"/>
-          <a:lstStyle/>
-          <a:p>
-            <a:pPr algn="ctr"/>
-            <a:endParaRPr lang="en-US"/>
-          </a:p>
-        </p:txBody>
-      </p:sp>
+      </p:pic>
     </p:spTree>
     <p:extLst>
       <p:ext uri="{BB962C8B-B14F-4D97-AF65-F5344CB8AC3E}">
-        <p14:creationId xmlns:p14="http://schemas.microsoft.com/office/powerpoint/2010/main" val="3863037578"/>
+        <p14:creationId xmlns:p14="http://schemas.microsoft.com/office/powerpoint/2010/main" val="3263088101"/>
       </p:ext>
     </p:extLst>
   </p:cSld>
@@ -3686,7 +3398,7 @@
       </p:grpSpPr>
       <p:pic>
         <p:nvPicPr>
-          <p:cNvPr id="4" name="Picture 3"/>
+          <p:cNvPr id="2" name="Picture 1"/>
           <p:cNvPicPr>
             <a:picLocks noChangeAspect="1"/>
           </p:cNvPicPr>
@@ -3700,18 +3412,32 @@
         </p:blipFill>
         <p:spPr>
           <a:xfrm>
-            <a:off x="1668162" y="0"/>
-            <a:ext cx="8855676" cy="6858000"/>
+            <a:off x="2665926" y="767718"/>
+            <a:ext cx="6439437" cy="4036102"/>
           </a:xfrm>
           <a:prstGeom prst="rect">
             <a:avLst/>
           </a:prstGeom>
         </p:spPr>
+        <p:style>
+          <a:lnRef idx="0">
+            <a:schemeClr val="accent6"/>
+          </a:lnRef>
+          <a:fillRef idx="3">
+            <a:schemeClr val="accent6"/>
+          </a:fillRef>
+          <a:effectRef idx="3">
+            <a:schemeClr val="accent6"/>
+          </a:effectRef>
+          <a:fontRef idx="minor">
+            <a:schemeClr val="lt1"/>
+          </a:fontRef>
+        </p:style>
       </p:pic>
     </p:spTree>
     <p:extLst>
       <p:ext uri="{BB962C8B-B14F-4D97-AF65-F5344CB8AC3E}">
-        <p14:creationId xmlns:p14="http://schemas.microsoft.com/office/powerpoint/2010/main" val="2181784183"/>
+        <p14:creationId xmlns:p14="http://schemas.microsoft.com/office/powerpoint/2010/main" val="2898869922"/>
       </p:ext>
     </p:extLst>
   </p:cSld>
@@ -3738,6 +3464,969 @@
           <a:chExt cx="0" cy="0"/>
         </a:xfrm>
       </p:grpSpPr>
+      <p:pic>
+        <p:nvPicPr>
+          <p:cNvPr id="5" name="Picture 4"/>
+          <p:cNvPicPr>
+            <a:picLocks noChangeAspect="1"/>
+          </p:cNvPicPr>
+          <p:nvPr/>
+        </p:nvPicPr>
+        <p:blipFill>
+          <a:blip r:embed="rId2"/>
+          <a:stretch>
+            <a:fillRect/>
+          </a:stretch>
+        </p:blipFill>
+        <p:spPr>
+          <a:xfrm>
+            <a:off x="1785871" y="1094705"/>
+            <a:ext cx="8066468" cy="4319252"/>
+          </a:xfrm>
+          <a:prstGeom prst="rect">
+            <a:avLst/>
+          </a:prstGeom>
+        </p:spPr>
+      </p:pic>
+    </p:spTree>
+    <p:extLst>
+      <p:ext uri="{BB962C8B-B14F-4D97-AF65-F5344CB8AC3E}">
+        <p14:creationId xmlns:p14="http://schemas.microsoft.com/office/powerpoint/2010/main" val="923656983"/>
+      </p:ext>
+    </p:extLst>
+  </p:cSld>
+  <p:clrMapOvr>
+    <a:masterClrMapping/>
+  </p:clrMapOvr>
+</p:sld>
+</file>
+
+<file path=ppt/slides/slide6.xml><?xml version="1.0" encoding="utf-8"?>
+<p:sld xmlns:a="http://schemas.openxmlformats.org/drawingml/2006/main" xmlns:r="http://schemas.openxmlformats.org/officeDocument/2006/relationships" xmlns:p="http://schemas.openxmlformats.org/presentationml/2006/main">
+  <p:cSld>
+    <p:spTree>
+      <p:nvGrpSpPr>
+        <p:cNvPr id="1" name=""/>
+        <p:cNvGrpSpPr/>
+        <p:nvPr/>
+      </p:nvGrpSpPr>
+      <p:grpSpPr>
+        <a:xfrm>
+          <a:off x="0" y="0"/>
+          <a:ext cx="0" cy="0"/>
+          <a:chOff x="0" y="0"/>
+          <a:chExt cx="0" cy="0"/>
+        </a:xfrm>
+      </p:grpSpPr>
+      <p:sp>
+        <p:nvSpPr>
+          <p:cNvPr id="2" name="TextBox 1">
+            <a:extLst>
+              <a:ext uri="{FF2B5EF4-FFF2-40B4-BE49-F238E27FC236}">
+                <a16:creationId xmlns="" xmlns:a16="http://schemas.microsoft.com/office/drawing/2014/main" xmlns:lc="http://schemas.openxmlformats.org/drawingml/2006/lockedCanvas" id="{8CDCD9AE-5AD7-4D8F-6C9C-59FCFE8A26F2}"/>
+              </a:ext>
+            </a:extLst>
+          </p:cNvPr>
+          <p:cNvSpPr txBox="1"/>
+          <p:nvPr/>
+        </p:nvSpPr>
+        <p:spPr>
+          <a:xfrm>
+            <a:off x="850006" y="540099"/>
+            <a:ext cx="5064406" cy="523220"/>
+          </a:xfrm>
+          <a:prstGeom prst="rect">
+            <a:avLst/>
+          </a:prstGeom>
+        </p:spPr>
+        <p:style>
+          <a:lnRef idx="2">
+            <a:schemeClr val="accent2">
+              <a:shade val="50000"/>
+            </a:schemeClr>
+          </a:lnRef>
+          <a:fillRef idx="1">
+            <a:schemeClr val="accent2"/>
+          </a:fillRef>
+          <a:effectRef idx="0">
+            <a:schemeClr val="accent2"/>
+          </a:effectRef>
+          <a:fontRef idx="minor">
+            <a:schemeClr val="lt1"/>
+          </a:fontRef>
+        </p:style>
+        <p:txBody>
+          <a:bodyPr wrap="square" rtlCol="0">
+            <a:spAutoFit/>
+          </a:bodyPr>
+          <a:lstStyle>
+            <a:defPPr>
+              <a:defRPr lang="en-US"/>
+            </a:defPPr>
+            <a:lvl1pPr marL="0" algn="l" defTabSz="457200" rtl="0" eaLnBrk="1" latinLnBrk="0" hangingPunct="1">
+              <a:defRPr sz="1800" kern="1200">
+                <a:solidFill>
+                  <a:schemeClr val="tx1"/>
+                </a:solidFill>
+                <a:latin typeface="+mn-lt"/>
+                <a:ea typeface="+mn-ea"/>
+                <a:cs typeface="+mn-cs"/>
+              </a:defRPr>
+            </a:lvl1pPr>
+            <a:lvl2pPr marL="457200" algn="l" defTabSz="457200" rtl="0" eaLnBrk="1" latinLnBrk="0" hangingPunct="1">
+              <a:defRPr sz="1800" kern="1200">
+                <a:solidFill>
+                  <a:schemeClr val="tx1"/>
+                </a:solidFill>
+                <a:latin typeface="+mn-lt"/>
+                <a:ea typeface="+mn-ea"/>
+                <a:cs typeface="+mn-cs"/>
+              </a:defRPr>
+            </a:lvl2pPr>
+            <a:lvl3pPr marL="914400" algn="l" defTabSz="457200" rtl="0" eaLnBrk="1" latinLnBrk="0" hangingPunct="1">
+              <a:defRPr sz="1800" kern="1200">
+                <a:solidFill>
+                  <a:schemeClr val="tx1"/>
+                </a:solidFill>
+                <a:latin typeface="+mn-lt"/>
+                <a:ea typeface="+mn-ea"/>
+                <a:cs typeface="+mn-cs"/>
+              </a:defRPr>
+            </a:lvl3pPr>
+            <a:lvl4pPr marL="1371600" algn="l" defTabSz="457200" rtl="0" eaLnBrk="1" latinLnBrk="0" hangingPunct="1">
+              <a:defRPr sz="1800" kern="1200">
+                <a:solidFill>
+                  <a:schemeClr val="tx1"/>
+                </a:solidFill>
+                <a:latin typeface="+mn-lt"/>
+                <a:ea typeface="+mn-ea"/>
+                <a:cs typeface="+mn-cs"/>
+              </a:defRPr>
+            </a:lvl4pPr>
+            <a:lvl5pPr marL="1828800" algn="l" defTabSz="457200" rtl="0" eaLnBrk="1" latinLnBrk="0" hangingPunct="1">
+              <a:defRPr sz="1800" kern="1200">
+                <a:solidFill>
+                  <a:schemeClr val="tx1"/>
+                </a:solidFill>
+                <a:latin typeface="+mn-lt"/>
+                <a:ea typeface="+mn-ea"/>
+                <a:cs typeface="+mn-cs"/>
+              </a:defRPr>
+            </a:lvl5pPr>
+            <a:lvl6pPr marL="2286000" algn="l" defTabSz="457200" rtl="0" eaLnBrk="1" latinLnBrk="0" hangingPunct="1">
+              <a:defRPr sz="1800" kern="1200">
+                <a:solidFill>
+                  <a:schemeClr val="tx1"/>
+                </a:solidFill>
+                <a:latin typeface="+mn-lt"/>
+                <a:ea typeface="+mn-ea"/>
+                <a:cs typeface="+mn-cs"/>
+              </a:defRPr>
+            </a:lvl6pPr>
+            <a:lvl7pPr marL="2743200" algn="l" defTabSz="457200" rtl="0" eaLnBrk="1" latinLnBrk="0" hangingPunct="1">
+              <a:defRPr sz="1800" kern="1200">
+                <a:solidFill>
+                  <a:schemeClr val="tx1"/>
+                </a:solidFill>
+                <a:latin typeface="+mn-lt"/>
+                <a:ea typeface="+mn-ea"/>
+                <a:cs typeface="+mn-cs"/>
+              </a:defRPr>
+            </a:lvl7pPr>
+            <a:lvl8pPr marL="3200400" algn="l" defTabSz="457200" rtl="0" eaLnBrk="1" latinLnBrk="0" hangingPunct="1">
+              <a:defRPr sz="1800" kern="1200">
+                <a:solidFill>
+                  <a:schemeClr val="tx1"/>
+                </a:solidFill>
+                <a:latin typeface="+mn-lt"/>
+                <a:ea typeface="+mn-ea"/>
+                <a:cs typeface="+mn-cs"/>
+              </a:defRPr>
+            </a:lvl8pPr>
+            <a:lvl9pPr marL="3657600" algn="l" defTabSz="457200" rtl="0" eaLnBrk="1" latinLnBrk="0" hangingPunct="1">
+              <a:defRPr sz="1800" kern="1200">
+                <a:solidFill>
+                  <a:schemeClr val="tx1"/>
+                </a:solidFill>
+                <a:latin typeface="+mn-lt"/>
+                <a:ea typeface="+mn-ea"/>
+                <a:cs typeface="+mn-cs"/>
+              </a:defRPr>
+            </a:lvl9pPr>
+          </a:lstStyle>
+          <a:p>
+            <a:pPr marL="0" marR="0" lvl="0" indent="0" algn="l" defTabSz="457200" rtl="0" eaLnBrk="1" fontAlgn="auto" latinLnBrk="0" hangingPunct="1">
+              <a:lnSpc>
+                <a:spcPct val="100000"/>
+              </a:lnSpc>
+              <a:spcBef>
+                <a:spcPts val="0"/>
+              </a:spcBef>
+              <a:spcAft>
+                <a:spcPts val="0"/>
+              </a:spcAft>
+              <a:buClrTx/>
+              <a:buSzTx/>
+              <a:buFontTx/>
+              <a:buNone/>
+              <a:tabLst/>
+              <a:defRPr/>
+            </a:pPr>
+            <a:r>
+              <a:rPr kumimoji="0" lang="en-US" sz="2800" b="0" i="0" u="none" strike="noStrike" kern="1200" cap="none" spc="0" normalizeH="0" baseline="0" noProof="0" dirty="0">
+                <a:ln>
+                  <a:noFill/>
+                </a:ln>
+                <a:solidFill>
+                  <a:srgbClr val="14967C">
+                    <a:lumMod val="50000"/>
+                  </a:srgbClr>
+                </a:solidFill>
+                <a:effectLst/>
+                <a:uLnTx/>
+                <a:uFillTx/>
+                <a:latin typeface="Calibri" panose="020F0502020204030204"/>
+                <a:ea typeface="+mn-ea"/>
+                <a:cs typeface="+mn-cs"/>
+              </a:rPr>
+              <a:t>Methods:</a:t>
+            </a:r>
+            <a:endParaRPr kumimoji="0" lang="en-IN" sz="2800" b="0" i="0" u="none" strike="noStrike" kern="1200" cap="none" spc="0" normalizeH="0" baseline="0" noProof="0" dirty="0">
+              <a:ln>
+                <a:noFill/>
+              </a:ln>
+              <a:solidFill>
+                <a:srgbClr val="14967C">
+                  <a:lumMod val="50000"/>
+                </a:srgbClr>
+              </a:solidFill>
+              <a:effectLst/>
+              <a:uLnTx/>
+              <a:uFillTx/>
+              <a:latin typeface="Calibri" panose="020F0502020204030204"/>
+              <a:ea typeface="+mn-ea"/>
+              <a:cs typeface="+mn-cs"/>
+            </a:endParaRPr>
+          </a:p>
+        </p:txBody>
+      </p:sp>
+      <p:sp>
+        <p:nvSpPr>
+          <p:cNvPr id="4" name="Rectangle 3"/>
+          <p:cNvSpPr/>
+          <p:nvPr/>
+        </p:nvSpPr>
+        <p:spPr>
+          <a:xfrm>
+            <a:off x="1979052" y="1450179"/>
+            <a:ext cx="8401319" cy="4247317"/>
+          </a:xfrm>
+          <a:prstGeom prst="rect">
+            <a:avLst/>
+          </a:prstGeom>
+        </p:spPr>
+        <p:style>
+          <a:lnRef idx="1">
+            <a:schemeClr val="accent1"/>
+          </a:lnRef>
+          <a:fillRef idx="2">
+            <a:schemeClr val="accent1"/>
+          </a:fillRef>
+          <a:effectRef idx="1">
+            <a:schemeClr val="accent1"/>
+          </a:effectRef>
+          <a:fontRef idx="minor">
+            <a:schemeClr val="dk1"/>
+          </a:fontRef>
+        </p:style>
+        <p:txBody>
+          <a:bodyPr wrap="square">
+            <a:spAutoFit/>
+          </a:bodyPr>
+          <a:lstStyle/>
+          <a:p>
+            <a:pPr marL="285750" indent="-285750">
+              <a:buFont typeface="Wingdings" panose="05000000000000000000" pitchFamily="2" charset="2"/>
+              <a:buChar char="Ø"/>
+            </a:pPr>
+            <a:r>
+              <a:rPr lang="en-US" dirty="0"/>
+              <a:t>Creation of ASP. Net core web API</a:t>
+            </a:r>
+          </a:p>
+          <a:p>
+            <a:endParaRPr lang="en-US" dirty="0"/>
+          </a:p>
+          <a:p>
+            <a:pPr marL="285750" indent="-285750">
+              <a:buFont typeface="Wingdings" panose="05000000000000000000" pitchFamily="2" charset="2"/>
+              <a:buChar char="Ø"/>
+            </a:pPr>
+            <a:r>
+              <a:rPr lang="en-IN" dirty="0"/>
+              <a:t>Implementation of Controllers &amp; Models for Backend</a:t>
+            </a:r>
+          </a:p>
+          <a:p>
+            <a:endParaRPr lang="en-IN" dirty="0"/>
+          </a:p>
+          <a:p>
+            <a:pPr marL="285750" indent="-285750">
+              <a:buFont typeface="Wingdings" panose="05000000000000000000" pitchFamily="2" charset="2"/>
+              <a:buChar char="Ø"/>
+            </a:pPr>
+            <a:r>
+              <a:rPr lang="en-IN" dirty="0"/>
+              <a:t>SQL query commands for storing the data into database</a:t>
+            </a:r>
+          </a:p>
+          <a:p>
+            <a:endParaRPr lang="en-IN" dirty="0"/>
+          </a:p>
+          <a:p>
+            <a:pPr marL="285750" indent="-285750">
+              <a:buFont typeface="Wingdings" panose="05000000000000000000" pitchFamily="2" charset="2"/>
+              <a:buChar char="Ø"/>
+            </a:pPr>
+            <a:r>
+              <a:rPr lang="en-IN" dirty="0"/>
+              <a:t>Implementation of Angular for the e-commerce application</a:t>
+            </a:r>
+          </a:p>
+          <a:p>
+            <a:endParaRPr lang="en-IN" dirty="0"/>
+          </a:p>
+          <a:p>
+            <a:pPr marL="285750" indent="-285750">
+              <a:buFont typeface="Wingdings" panose="05000000000000000000" pitchFamily="2" charset="2"/>
+              <a:buChar char="Ø"/>
+            </a:pPr>
+            <a:r>
+              <a:rPr lang="en-IN" dirty="0"/>
+              <a:t>Implementation of Login &amp; Register part</a:t>
+            </a:r>
+          </a:p>
+          <a:p>
+            <a:endParaRPr lang="en-IN" dirty="0"/>
+          </a:p>
+          <a:p>
+            <a:pPr marL="285750" indent="-285750">
+              <a:buFont typeface="Wingdings" panose="05000000000000000000" pitchFamily="2" charset="2"/>
+              <a:buChar char="Ø"/>
+            </a:pPr>
+            <a:r>
+              <a:rPr lang="en-IN" dirty="0"/>
+              <a:t>Implementation of Authentication part for user and admin</a:t>
+            </a:r>
+          </a:p>
+          <a:p>
+            <a:endParaRPr lang="en-IN" dirty="0"/>
+          </a:p>
+          <a:p>
+            <a:pPr marL="285750" indent="-285750">
+              <a:buFont typeface="Wingdings" panose="05000000000000000000" pitchFamily="2" charset="2"/>
+              <a:buChar char="Ø"/>
+            </a:pPr>
+            <a:r>
+              <a:rPr lang="en-IN" dirty="0"/>
+              <a:t>Implementation of add products &amp; edit products for the admin</a:t>
+            </a:r>
+          </a:p>
+          <a:p>
+            <a:endParaRPr lang="en-IN" dirty="0"/>
+          </a:p>
+          <a:p>
+            <a:pPr marL="285750" indent="-285750">
+              <a:buFont typeface="Wingdings" panose="05000000000000000000" pitchFamily="2" charset="2"/>
+              <a:buChar char="Ø"/>
+            </a:pPr>
+            <a:r>
+              <a:rPr lang="en-IN" dirty="0"/>
+              <a:t>Implementation of add to cart for the user </a:t>
+            </a:r>
+            <a:endParaRPr lang="en-US" dirty="0"/>
+          </a:p>
+        </p:txBody>
+      </p:sp>
+    </p:spTree>
+    <p:extLst>
+      <p:ext uri="{BB962C8B-B14F-4D97-AF65-F5344CB8AC3E}">
+        <p14:creationId xmlns:p14="http://schemas.microsoft.com/office/powerpoint/2010/main" val="153707365"/>
+      </p:ext>
+    </p:extLst>
+  </p:cSld>
+  <p:clrMapOvr>
+    <a:masterClrMapping/>
+  </p:clrMapOvr>
+</p:sld>
+</file>
+
+<file path=ppt/slides/slide7.xml><?xml version="1.0" encoding="utf-8"?>
+<p:sld xmlns:a="http://schemas.openxmlformats.org/drawingml/2006/main" xmlns:r="http://schemas.openxmlformats.org/officeDocument/2006/relationships" xmlns:p="http://schemas.openxmlformats.org/presentationml/2006/main">
+  <p:cSld>
+    <p:spTree>
+      <p:nvGrpSpPr>
+        <p:cNvPr id="1" name=""/>
+        <p:cNvGrpSpPr/>
+        <p:nvPr/>
+      </p:nvGrpSpPr>
+      <p:grpSpPr>
+        <a:xfrm>
+          <a:off x="0" y="0"/>
+          <a:ext cx="0" cy="0"/>
+          <a:chOff x="0" y="0"/>
+          <a:chExt cx="0" cy="0"/>
+        </a:xfrm>
+      </p:grpSpPr>
+      <p:sp>
+        <p:nvSpPr>
+          <p:cNvPr id="2" name="Rectangle 1"/>
+          <p:cNvSpPr/>
+          <p:nvPr/>
+        </p:nvSpPr>
+        <p:spPr>
+          <a:xfrm>
+            <a:off x="1371599" y="978794"/>
+            <a:ext cx="2099257" cy="2292439"/>
+          </a:xfrm>
+          <a:prstGeom prst="rect">
+            <a:avLst/>
+          </a:prstGeom>
+        </p:spPr>
+        <p:style>
+          <a:lnRef idx="2">
+            <a:schemeClr val="accent1">
+              <a:shade val="50000"/>
+            </a:schemeClr>
+          </a:lnRef>
+          <a:fillRef idx="1">
+            <a:schemeClr val="accent1"/>
+          </a:fillRef>
+          <a:effectRef idx="0">
+            <a:schemeClr val="accent1"/>
+          </a:effectRef>
+          <a:fontRef idx="minor">
+            <a:schemeClr val="lt1"/>
+          </a:fontRef>
+        </p:style>
+        <p:txBody>
+          <a:bodyPr rtlCol="0" anchor="ctr"/>
+          <a:lstStyle/>
+          <a:p>
+            <a:pPr algn="ctr"/>
+            <a:r>
+              <a:rPr lang="en-US" sz="3200" b="1" dirty="0" smtClean="0"/>
+              <a:t>Database</a:t>
+            </a:r>
+          </a:p>
+          <a:p>
+            <a:pPr algn="ctr"/>
+            <a:r>
+              <a:rPr lang="en-US" sz="3200" b="1" dirty="0" err="1" smtClean="0"/>
+              <a:t>sql</a:t>
+            </a:r>
+            <a:endParaRPr lang="en-US" sz="3200" b="1" dirty="0"/>
+          </a:p>
+        </p:txBody>
+      </p:sp>
+      <p:sp>
+        <p:nvSpPr>
+          <p:cNvPr id="3" name="Rectangle 2"/>
+          <p:cNvSpPr/>
+          <p:nvPr/>
+        </p:nvSpPr>
+        <p:spPr>
+          <a:xfrm>
+            <a:off x="5035639" y="933718"/>
+            <a:ext cx="2395471" cy="2202287"/>
+          </a:xfrm>
+          <a:prstGeom prst="rect">
+            <a:avLst/>
+          </a:prstGeom>
+        </p:spPr>
+        <p:style>
+          <a:lnRef idx="3">
+            <a:schemeClr val="lt1"/>
+          </a:lnRef>
+          <a:fillRef idx="1">
+            <a:schemeClr val="accent2"/>
+          </a:fillRef>
+          <a:effectRef idx="1">
+            <a:schemeClr val="accent2"/>
+          </a:effectRef>
+          <a:fontRef idx="minor">
+            <a:schemeClr val="lt1"/>
+          </a:fontRef>
+        </p:style>
+        <p:txBody>
+          <a:bodyPr rtlCol="0" anchor="ctr"/>
+          <a:lstStyle/>
+          <a:p>
+            <a:pPr algn="ctr"/>
+            <a:r>
+              <a:rPr lang="en-US" sz="3200" b="1" dirty="0" smtClean="0"/>
+              <a:t>Web </a:t>
+            </a:r>
+            <a:r>
+              <a:rPr lang="en-US" sz="3200" b="1" dirty="0" err="1" smtClean="0"/>
+              <a:t>Api</a:t>
+            </a:r>
+            <a:endParaRPr lang="en-US" sz="3200" b="1" dirty="0"/>
+          </a:p>
+        </p:txBody>
+      </p:sp>
+      <p:sp>
+        <p:nvSpPr>
+          <p:cNvPr id="4" name="Rectangle 3"/>
+          <p:cNvSpPr/>
+          <p:nvPr/>
+        </p:nvSpPr>
+        <p:spPr>
+          <a:xfrm>
+            <a:off x="8538693" y="933718"/>
+            <a:ext cx="2678806" cy="2021983"/>
+          </a:xfrm>
+          <a:prstGeom prst="rect">
+            <a:avLst/>
+          </a:prstGeom>
+        </p:spPr>
+        <p:style>
+          <a:lnRef idx="1">
+            <a:schemeClr val="accent3"/>
+          </a:lnRef>
+          <a:fillRef idx="2">
+            <a:schemeClr val="accent3"/>
+          </a:fillRef>
+          <a:effectRef idx="1">
+            <a:schemeClr val="accent3"/>
+          </a:effectRef>
+          <a:fontRef idx="minor">
+            <a:schemeClr val="dk1"/>
+          </a:fontRef>
+        </p:style>
+        <p:txBody>
+          <a:bodyPr rtlCol="0" anchor="ctr"/>
+          <a:lstStyle/>
+          <a:p>
+            <a:pPr algn="ctr"/>
+            <a:r>
+              <a:rPr lang="en-US" sz="2400" b="1" dirty="0" smtClean="0"/>
+              <a:t>Ecommerce</a:t>
+            </a:r>
+          </a:p>
+          <a:p>
+            <a:pPr algn="ctr"/>
+            <a:r>
+              <a:rPr lang="en-US" sz="2400" b="1" dirty="0" smtClean="0"/>
+              <a:t>Web </a:t>
+            </a:r>
+          </a:p>
+          <a:p>
+            <a:pPr algn="ctr"/>
+            <a:r>
+              <a:rPr lang="en-US" sz="2400" b="1" dirty="0" err="1" smtClean="0"/>
+              <a:t>api</a:t>
+            </a:r>
+            <a:endParaRPr lang="en-US" sz="2400" b="1" dirty="0"/>
+          </a:p>
+        </p:txBody>
+      </p:sp>
+      <p:sp>
+        <p:nvSpPr>
+          <p:cNvPr id="5" name="Right Arrow 4"/>
+          <p:cNvSpPr/>
+          <p:nvPr/>
+        </p:nvSpPr>
+        <p:spPr>
+          <a:xfrm>
+            <a:off x="3593206" y="1790162"/>
+            <a:ext cx="1442433" cy="669701"/>
+          </a:xfrm>
+          <a:prstGeom prst="rightArrow">
+            <a:avLst/>
+          </a:prstGeom>
+        </p:spPr>
+        <p:style>
+          <a:lnRef idx="2">
+            <a:schemeClr val="dk1">
+              <a:shade val="50000"/>
+            </a:schemeClr>
+          </a:lnRef>
+          <a:fillRef idx="1">
+            <a:schemeClr val="dk1"/>
+          </a:fillRef>
+          <a:effectRef idx="0">
+            <a:schemeClr val="dk1"/>
+          </a:effectRef>
+          <a:fontRef idx="minor">
+            <a:schemeClr val="lt1"/>
+          </a:fontRef>
+        </p:style>
+        <p:txBody>
+          <a:bodyPr rtlCol="0" anchor="ctr"/>
+          <a:lstStyle/>
+          <a:p>
+            <a:pPr algn="ctr"/>
+            <a:endParaRPr lang="en-US"/>
+          </a:p>
+        </p:txBody>
+      </p:sp>
+      <p:sp>
+        <p:nvSpPr>
+          <p:cNvPr id="6" name="Right Arrow 5"/>
+          <p:cNvSpPr/>
+          <p:nvPr/>
+        </p:nvSpPr>
+        <p:spPr>
+          <a:xfrm>
+            <a:off x="7508383" y="1700009"/>
+            <a:ext cx="1030310" cy="850005"/>
+          </a:xfrm>
+          <a:prstGeom prst="rightArrow">
+            <a:avLst/>
+          </a:prstGeom>
+        </p:spPr>
+        <p:style>
+          <a:lnRef idx="2">
+            <a:schemeClr val="dk1">
+              <a:shade val="50000"/>
+            </a:schemeClr>
+          </a:lnRef>
+          <a:fillRef idx="1">
+            <a:schemeClr val="dk1"/>
+          </a:fillRef>
+          <a:effectRef idx="0">
+            <a:schemeClr val="dk1"/>
+          </a:effectRef>
+          <a:fontRef idx="minor">
+            <a:schemeClr val="lt1"/>
+          </a:fontRef>
+        </p:style>
+        <p:txBody>
+          <a:bodyPr rtlCol="0" anchor="ctr"/>
+          <a:lstStyle/>
+          <a:p>
+            <a:pPr algn="ctr"/>
+            <a:endParaRPr lang="en-US"/>
+          </a:p>
+        </p:txBody>
+      </p:sp>
+      <p:sp>
+        <p:nvSpPr>
+          <p:cNvPr id="8" name="Rectangle 7"/>
+          <p:cNvSpPr/>
+          <p:nvPr/>
+        </p:nvSpPr>
+        <p:spPr>
+          <a:xfrm>
+            <a:off x="7431110" y="4468969"/>
+            <a:ext cx="4301544" cy="2047741"/>
+          </a:xfrm>
+          <a:prstGeom prst="rect">
+            <a:avLst/>
+          </a:prstGeom>
+        </p:spPr>
+        <p:style>
+          <a:lnRef idx="1">
+            <a:schemeClr val="accent6"/>
+          </a:lnRef>
+          <a:fillRef idx="3">
+            <a:schemeClr val="accent6"/>
+          </a:fillRef>
+          <a:effectRef idx="2">
+            <a:schemeClr val="accent6"/>
+          </a:effectRef>
+          <a:fontRef idx="minor">
+            <a:schemeClr val="lt1"/>
+          </a:fontRef>
+        </p:style>
+        <p:txBody>
+          <a:bodyPr rtlCol="0" anchor="ctr"/>
+          <a:lstStyle/>
+          <a:p>
+            <a:pPr algn="ctr"/>
+            <a:r>
+              <a:rPr lang="en-US" sz="2400" b="1" dirty="0" smtClean="0"/>
+              <a:t>Angular part of </a:t>
+            </a:r>
+          </a:p>
+          <a:p>
+            <a:pPr algn="ctr"/>
+            <a:r>
+              <a:rPr lang="en-US" sz="2400" b="1" dirty="0" smtClean="0"/>
+              <a:t>Frist –sample –project </a:t>
+            </a:r>
+          </a:p>
+          <a:p>
+            <a:pPr algn="ctr"/>
+            <a:r>
+              <a:rPr lang="en-US" sz="2400" b="1" dirty="0" smtClean="0"/>
+              <a:t>In </a:t>
+            </a:r>
+            <a:r>
+              <a:rPr lang="en-US" sz="2400" b="1" dirty="0" err="1" smtClean="0"/>
+              <a:t>Ecommerce_Api</a:t>
+            </a:r>
+            <a:endParaRPr lang="en-US" sz="2400" b="1" dirty="0"/>
+          </a:p>
+        </p:txBody>
+      </p:sp>
+      <p:sp>
+        <p:nvSpPr>
+          <p:cNvPr id="9" name="Down Arrow 8"/>
+          <p:cNvSpPr/>
+          <p:nvPr/>
+        </p:nvSpPr>
+        <p:spPr>
+          <a:xfrm>
+            <a:off x="9581882" y="2955701"/>
+            <a:ext cx="914400" cy="1513268"/>
+          </a:xfrm>
+          <a:prstGeom prst="downArrow">
+            <a:avLst/>
+          </a:prstGeom>
+        </p:spPr>
+        <p:style>
+          <a:lnRef idx="2">
+            <a:schemeClr val="dk1">
+              <a:shade val="50000"/>
+            </a:schemeClr>
+          </a:lnRef>
+          <a:fillRef idx="1">
+            <a:schemeClr val="dk1"/>
+          </a:fillRef>
+          <a:effectRef idx="0">
+            <a:schemeClr val="dk1"/>
+          </a:effectRef>
+          <a:fontRef idx="minor">
+            <a:schemeClr val="lt1"/>
+          </a:fontRef>
+        </p:style>
+        <p:txBody>
+          <a:bodyPr rtlCol="0" anchor="ctr"/>
+          <a:lstStyle/>
+          <a:p>
+            <a:pPr algn="ctr"/>
+            <a:endParaRPr lang="en-US"/>
+          </a:p>
+        </p:txBody>
+      </p:sp>
+      <p:sp>
+        <p:nvSpPr>
+          <p:cNvPr id="7" name="AutoShape 2" descr="data:image/pjpeg;base64,/9j/4AAQSkZJRgABAQEAYABgAAD/2wBDAAEBAQEBAQEBAQEBAQEBAQEBAQEBAQEBAQEBAQEBAQEBAQEBAQEBAQEBAQEBAQEBAQEBAQEBAQEBAQEBAQEBAQH/2wBDAQEBAQEBAQEBAQEBAQEBAQEBAQEBAQEBAQEBAQEBAQEBAQEBAQEBAQEBAQEBAQEBAQEBAQEBAQEBAQEBAQEBAQH/wAARCABAAEADASIAAhEBAxEB/8QAHwAAAQUBAQEBAQEAAAAAAAAAAAECAwQFBgcICQoL/8QAtRAAAgEDAwIEAwUFBAQAAAF9AQIDAAQRBRIhMUEGE1FhByJxFDKBkaEII0KxwRVS0fAkM2JyggkKFhcYGRolJicoKSo0NTY3ODk6Q0RFRkdISUpTVFVWV1hZWmNkZWZnaGlqc3R1dnd4eXqDhIWGh4iJipKTlJWWl5iZmqKjpKWmp6ipqrKztLW2t7i5usLDxMXGx8jJytLT1NXW19jZ2uHi4+Tl5ufo6erx8vP09fb3+Pn6/8QAHwEAAwEBAQEBAQEBAQAAAAAAAAECAwQFBgcICQoL/8QAtREAAgECBAQDBAcFBAQAAQJ3AAECAxEEBSExBhJBUQdhcRMiMoEIFEKRobHBCSMzUvAVYnLRChYkNOEl8RcYGRomJygpKjU2Nzg5OkNERUZHSElKU1RVVldYWVpjZGVmZ2hpanN0dXZ3eHl6goOEhYaHiImKkpOUlZaXmJmaoqOkpaanqKmqsrO0tba3uLm6wsPExcbHyMnK0tPU1dbX2Nna4uPk5ebn6Onq8vP09fb3+Pn6/9oADAMBAAIRAxEAPwD+wCiiivnz7AKKKKACiiigAooooAKKKKAOJ8G/Er4c/EU62Ph94/8ABXjo+GdTk0TxGPB3inQ/E/8Awj+sxb/N0nW/7Evr3+ytTj2P5lhfeRdJsbdENpweKPiZ8OPBGs+E/DvjTx/4J8I+IPHuotpHgbQvE/irQtA1nxnqy3OnWTaX4U0zVb+0vfEWoreavpNo1lpEF5ci51TToDF5t7bLL/PL/wAEqP2pP2d/gDqn7a+jfGj4w+Bfhpquv/tOeJdT0Ww8W61Bpdzqen29xq1rPd2kcozLBFcjyXccCT5TU37fn7SHwI/aD/bY/wCCTx+CXxW8GfE4eEv2l7ceJT4Q1eHVf7EOvfFD9nw6P/aHk/8AHv8A2l/Y2qfZN3+t+wXOP9Wa8x49fVlVTp+1c4r2XMm0nVVPbfRPm1X53PU/s2f1udHlreyjTlNVvZvl0oe1XvW5LOXu7/O5/QD8QvjN8H/hIdIHxW+K3w3+GR8QfbzoI+IPjnwx4MOtjSvsf9pnSB4j1TTf7S/s7+0dP+3/AGPzvsf2+z+0eX9qg3xeAvjb8GfirPd23wv+Lnwx+JFzYReffW/gLx74V8YT2UG5U867h8ParqMltFvdE8yZUTc6rnLAH8O/+C04+Hh/aS/4Jfj4t/2KPhYfi18QB8Rv+EkIHh7/AIQj/hLf2ff+Eo/tskgDSv7G+2fbySMWvmmvnzxn8PP2YfiF+3v+xvH/AMEsbPTLTxP4J8XP4v8A2hPF3wrl8QW3w48P/Dqx13wxKv8Aa15fyLoU11qGgReN9Jv9L0d1i1+21Ox0G/S9nvLeK1dTG1KdWUFGnNRnRgoczVaftY023CNmnyc7ctUra+QUsBTqYejVc60J1qNatz+zTw1P2Uqi5atTmTi5qFk9fekrRex/UrRRRXpHlhRRRQB/N1/wSg/Zo/Z9+Omp/ts6v8ZPg18Ovibqmh/tPeJdN0a/8a+FtK8QXWmWE9xq11NZ2U2oW8z29vLcEzSRRlVaT5yCal/4KCfs9/A34Dfts/8ABJsfBf4T+AvhePFX7S8J8SDwR4b03w9/bh0T4o/s9/2OdT/s6CD7X/Zv9r6p9i87d5H2+68vHnPn+gPwP8K/hj8MTr5+G/w78D+AD4r1aTXvFB8F+FND8L/8JHrku/zdZ13+xLGy/tbVZPMk8zUL/wA+7fe26U7jlPFvwq+GHj/XPBvifx18OfA3jPxJ8OtTbW/h/wCIPFXhPQvEGteB9Za70y/bVvCGqatYXd74b1Jr3RdGvGvtHns7lrrSdNnMplsbZovNeB/2VUUqftFOMva8qvZVVU3+LVLl3/yPU/tGX1uVe9X2UoSj7LndlzUPZbX5bKT5tvxPw3/4LL3XgSx/ah/4JZ3vxR/4Rz/hW1p8ZPHFz4+/4TC3srvwp/wh0HjL9nqTxJ/wklrqUU+n3Oh/2Qt3/asF9DLaS2XnJPG8TMp+Tv8AgoZ4g/Y38UeMP2aLL/gmbYfD/wD4a8/4W7ps+haj+zN4ftvD9lBoK6ffqE1+Xwnp2neG7q/fxAdEuI5p0ubmx8P2XiNtYlttFmkW5/pk+JfwM+CnxnOin4wfCH4ZfFQ+G/7RHh4/EbwJ4Y8a/wBhDWPsP9rf2P8A8JJpepf2b/af9l6b9v8Asfk/bP7PsvtHmfZYdlb4d/AD4EfCK7uNQ+FHwV+E/wAM7+8hNtd33gD4d+EfB97dW7MHa3ubvw9pGn3E8BdVYxSyNGWUMVyAaKuDqVZ1fepxjVdJ8zg5Vafs4U4/u3zJJvletnbRjo4+nRpYVctd1MNTqU1FVFGhV9pOcv3sbOUopTs4/aslpuesxeZ5cfnbDLsTzTGGEZk2jf5YbLBN2du47tuM80+iivSWmm/mzygooooAKKKKACiiigAooooA/9k="/>
+          <p:cNvSpPr>
+            <a:spLocks noChangeAspect="1" noChangeArrowheads="1"/>
+          </p:cNvSpPr>
+          <p:nvPr/>
+        </p:nvSpPr>
+        <p:spPr bwMode="auto">
+          <a:xfrm>
+            <a:off x="155575" y="-144463"/>
+            <a:ext cx="304800" cy="304801"/>
+          </a:xfrm>
+          <a:prstGeom prst="rect">
+            <a:avLst/>
+          </a:prstGeom>
+          <a:noFill/>
+          <a:extLst>
+            <a:ext uri="{909E8E84-426E-40DD-AFC4-6F175D3DCCD1}">
+              <a14:hiddenFill xmlns:a14="http://schemas.microsoft.com/office/drawing/2010/main">
+                <a:solidFill>
+                  <a:srgbClr val="FFFFFF"/>
+                </a:solidFill>
+              </a14:hiddenFill>
+            </a:ext>
+          </a:extLst>
+        </p:spPr>
+        <p:txBody>
+          <a:bodyPr vert="horz" wrap="square" lIns="91440" tIns="45720" rIns="91440" bIns="45720" numCol="1" anchor="t" anchorCtr="0" compatLnSpc="1">
+            <a:prstTxWarp prst="textNoShape">
+              <a:avLst/>
+            </a:prstTxWarp>
+          </a:bodyPr>
+          <a:lstStyle/>
+          <a:p>
+            <a:endParaRPr lang="en-US"/>
+          </a:p>
+        </p:txBody>
+      </p:sp>
+    </p:spTree>
+    <p:extLst>
+      <p:ext uri="{BB962C8B-B14F-4D97-AF65-F5344CB8AC3E}">
+        <p14:creationId xmlns:p14="http://schemas.microsoft.com/office/powerpoint/2010/main" val="3863037578"/>
+      </p:ext>
+    </p:extLst>
+  </p:cSld>
+  <p:clrMapOvr>
+    <a:masterClrMapping/>
+  </p:clrMapOvr>
+</p:sld>
+</file>
+
+<file path=ppt/slides/slide8.xml><?xml version="1.0" encoding="utf-8"?>
+<p:sld xmlns:a="http://schemas.openxmlformats.org/drawingml/2006/main" xmlns:r="http://schemas.openxmlformats.org/officeDocument/2006/relationships" xmlns:p="http://schemas.openxmlformats.org/presentationml/2006/main">
+  <p:cSld>
+    <p:spTree>
+      <p:nvGrpSpPr>
+        <p:cNvPr id="1" name=""/>
+        <p:cNvGrpSpPr/>
+        <p:nvPr/>
+      </p:nvGrpSpPr>
+      <p:grpSpPr>
+        <a:xfrm>
+          <a:off x="0" y="0"/>
+          <a:ext cx="0" cy="0"/>
+          <a:chOff x="0" y="0"/>
+          <a:chExt cx="0" cy="0"/>
+        </a:xfrm>
+      </p:grpSpPr>
+      <p:sp>
+        <p:nvSpPr>
+          <p:cNvPr id="2" name="Rectangle 1"/>
+          <p:cNvSpPr/>
+          <p:nvPr/>
+        </p:nvSpPr>
+        <p:spPr>
+          <a:xfrm>
+            <a:off x="2047741" y="3386003"/>
+            <a:ext cx="6986475" cy="400110"/>
+          </a:xfrm>
+          <a:prstGeom prst="rect">
+            <a:avLst/>
+          </a:prstGeom>
+        </p:spPr>
+        <p:style>
+          <a:lnRef idx="3">
+            <a:schemeClr val="lt1"/>
+          </a:lnRef>
+          <a:fillRef idx="1">
+            <a:schemeClr val="accent1"/>
+          </a:fillRef>
+          <a:effectRef idx="1">
+            <a:schemeClr val="accent1"/>
+          </a:effectRef>
+          <a:fontRef idx="minor">
+            <a:schemeClr val="lt1"/>
+          </a:fontRef>
+        </p:style>
+        <p:txBody>
+          <a:bodyPr wrap="square">
+            <a:spAutoFit/>
+          </a:bodyPr>
+          <a:lstStyle/>
+          <a:p>
+            <a:r>
+              <a:rPr lang="en-US" dirty="0"/>
+              <a:t>https://</a:t>
+            </a:r>
+            <a:r>
+              <a:rPr lang="en-US" sz="2000" b="1" dirty="0"/>
+              <a:t>github.com/bhagyashri010120/project-login.git</a:t>
+            </a:r>
+            <a:endParaRPr lang="en-US" b="1" dirty="0"/>
+          </a:p>
+        </p:txBody>
+      </p:sp>
+      <p:sp>
+        <p:nvSpPr>
+          <p:cNvPr id="3" name="Rectangle 2"/>
+          <p:cNvSpPr/>
+          <p:nvPr/>
+        </p:nvSpPr>
+        <p:spPr>
+          <a:xfrm>
+            <a:off x="2047741" y="1621595"/>
+            <a:ext cx="5192007" cy="861774"/>
+          </a:xfrm>
+          <a:prstGeom prst="rect">
+            <a:avLst/>
+          </a:prstGeom>
+        </p:spPr>
+        <p:style>
+          <a:lnRef idx="1">
+            <a:schemeClr val="dk1"/>
+          </a:lnRef>
+          <a:fillRef idx="2">
+            <a:schemeClr val="dk1"/>
+          </a:fillRef>
+          <a:effectRef idx="1">
+            <a:schemeClr val="dk1"/>
+          </a:effectRef>
+          <a:fontRef idx="minor">
+            <a:schemeClr val="dk1"/>
+          </a:fontRef>
+        </p:style>
+        <p:txBody>
+          <a:bodyPr wrap="square">
+            <a:spAutoFit/>
+          </a:bodyPr>
+          <a:lstStyle/>
+          <a:p>
+            <a:r>
+              <a:rPr lang="en-US" sz="3200" b="1" dirty="0" smtClean="0"/>
+              <a:t>Its My </a:t>
+            </a:r>
+            <a:r>
+              <a:rPr lang="en-US" sz="3200" b="1" dirty="0" err="1" smtClean="0"/>
+              <a:t>github</a:t>
+            </a:r>
+            <a:r>
+              <a:rPr lang="en-US" sz="3200" b="1" dirty="0" smtClean="0"/>
+              <a:t> </a:t>
+            </a:r>
+            <a:r>
+              <a:rPr lang="en-US" sz="3200" b="1" dirty="0" err="1" smtClean="0"/>
+              <a:t>Repositorie</a:t>
+            </a:r>
+            <a:r>
+              <a:rPr lang="en-US" sz="3200" b="1" dirty="0" smtClean="0"/>
+              <a:t> </a:t>
+            </a:r>
+            <a:r>
+              <a:rPr lang="en-US" b="1" dirty="0" smtClean="0"/>
+              <a:t>:</a:t>
+            </a:r>
+            <a:endParaRPr lang="en-US" b="1" dirty="0"/>
+          </a:p>
+          <a:p>
+            <a:r>
+              <a:rPr lang="en-US" dirty="0" smtClean="0"/>
+              <a:t> </a:t>
+            </a:r>
+            <a:endParaRPr lang="en-US" dirty="0"/>
+          </a:p>
+        </p:txBody>
+      </p:sp>
+    </p:spTree>
+    <p:extLst>
+      <p:ext uri="{BB962C8B-B14F-4D97-AF65-F5344CB8AC3E}">
+        <p14:creationId xmlns:p14="http://schemas.microsoft.com/office/powerpoint/2010/main" val="1544957858"/>
+      </p:ext>
+    </p:extLst>
+  </p:cSld>
+  <p:clrMapOvr>
+    <a:masterClrMapping/>
+  </p:clrMapOvr>
+</p:sld>
+</file>
+
+<file path=ppt/slides/slide9.xml><?xml version="1.0" encoding="utf-8"?>
+<p:sld xmlns:a="http://schemas.openxmlformats.org/drawingml/2006/main" xmlns:r="http://schemas.openxmlformats.org/officeDocument/2006/relationships" xmlns:p="http://schemas.openxmlformats.org/presentationml/2006/main">
+  <p:cSld>
+    <p:spTree>
+      <p:nvGrpSpPr>
+        <p:cNvPr id="1" name=""/>
+        <p:cNvGrpSpPr/>
+        <p:nvPr/>
+      </p:nvGrpSpPr>
+      <p:grpSpPr>
+        <a:xfrm>
+          <a:off x="0" y="0"/>
+          <a:ext cx="0" cy="0"/>
+          <a:chOff x="0" y="0"/>
+          <a:chExt cx="0" cy="0"/>
+        </a:xfrm>
+      </p:grpSpPr>
       <p:sp>
         <p:nvSpPr>
           <p:cNvPr id="2" name="Title 1"/>
@@ -3825,20 +4514,29 @@
           <a:p>
             <a:r>
               <a:rPr lang="en-US" dirty="0"/>
-              <a:t>I think this article will be very helpful for the beginners who are want to learn AngularJS, </a:t>
+              <a:t>I think this article will be very helpful for the beginners who are want to learn </a:t>
+            </a:r>
+            <a:r>
+              <a:rPr lang="en-US" dirty="0" smtClean="0"/>
+              <a:t>Angular 10, </a:t>
             </a:r>
             <a:r>
               <a:rPr lang="en-US" dirty="0" err="1" smtClean="0"/>
-              <a:t>WebApi,SQL</a:t>
+              <a:t>WebApi</a:t>
             </a:r>
             <a:r>
               <a:rPr lang="en-US" dirty="0" smtClean="0"/>
-              <a:t>-SERVER </a:t>
+              <a:t>, SQL-SERVER </a:t>
             </a:r>
             <a:r>
               <a:rPr lang="en-US" dirty="0"/>
-              <a:t>Data First. I am not good at English, If I mistake anything please forgive me. Thanks for having patience.</a:t>
-            </a:r>
+              <a:t>Data First. I am not good at English, If I mistake anything please forgive me. Thanks for </a:t>
+            </a:r>
+            <a:r>
+              <a:rPr lang="en-US" dirty="0" smtClean="0"/>
+              <a:t>give me the your important time .</a:t>
+            </a:r>
+            <a:endParaRPr lang="en-US" dirty="0"/>
           </a:p>
         </p:txBody>
       </p:sp>
